--- a/series2/week4/BiasVariance.pptx
+++ b/series2/week4/BiasVariance.pptx
@@ -219,7 +219,7 @@
           <a:p>
             <a:fld id="{DC1489BD-80D8-044E-B489-6491FE1C3B4A}" type="datetimeFigureOut">
               <a:rPr lang="en-US" smtClean="0"/>
-              <a:t>8/11/18</a:t>
+              <a:t>11/16/18</a:t>
             </a:fld>
             <a:endParaRPr lang="en-US"/>
           </a:p>
@@ -530,10 +530,7 @@
           <a:bodyPr/>
           <a:lstStyle/>
           <a:p>
-            <a:r>
-              <a:rPr lang="en-US" dirty="0"/>
-              <a:t>Imagine you are building an app to convert kilometers to Miles but don’t remember the exact formula but you have knowledge of two pieces.</a:t>
-            </a:r>
+            <a:endParaRPr lang="en-US" dirty="0"/>
           </a:p>
         </p:txBody>
       </p:sp>
@@ -923,10 +920,7 @@
           <a:bodyPr/>
           <a:lstStyle/>
           <a:p>
-            <a:r>
-              <a:rPr lang="en-US" dirty="0"/>
-              <a:t>Imagine you are building an app to convert kilometers to Miles but don’t remember the exact formula but you have knowledge of two pieces.</a:t>
-            </a:r>
+            <a:endParaRPr lang="en-US" dirty="0"/>
           </a:p>
         </p:txBody>
       </p:sp>
@@ -1516,33 +1510,6 @@
         <p:txBody>
           <a:bodyPr/>
           <a:lstStyle/>
-          <a:p>
-            <a:r>
-              <a:rPr lang="en-US" dirty="0"/>
-              <a:t>Two problems here – </a:t>
-            </a:r>
-          </a:p>
-          <a:p>
-            <a:pPr marL="228600" indent="-228600">
-              <a:buAutoNum type="arabicPeriod"/>
-            </a:pPr>
-            <a:r>
-              <a:rPr lang="en-US" dirty="0"/>
-              <a:t>Output size is reduced. </a:t>
-            </a:r>
-          </a:p>
-          <a:p>
-            <a:pPr marL="228600" indent="-228600">
-              <a:buAutoNum type="arabicPeriod"/>
-            </a:pPr>
-            <a:r>
-              <a:rPr lang="en-US" dirty="0"/>
-              <a:t>Corner pixels are only touched once. Information loss</a:t>
-            </a:r>
-          </a:p>
-          <a:p>
-            <a:endParaRPr lang="en-US" dirty="0"/>
-          </a:p>
           <a:p>
             <a:endParaRPr lang="en-US" dirty="0"/>
           </a:p>
@@ -1731,7 +1698,7 @@
           <a:p>
             <a:fld id="{DEFBAF91-23A8-144B-A1B7-82C79B923880}" type="datetimeFigureOut">
               <a:rPr lang="en-US" smtClean="0"/>
-              <a:t>8/11/18</a:t>
+              <a:t>11/16/18</a:t>
             </a:fld>
             <a:endParaRPr lang="en-US"/>
           </a:p>
@@ -1929,7 +1896,7 @@
           <a:p>
             <a:fld id="{DEFBAF91-23A8-144B-A1B7-82C79B923880}" type="datetimeFigureOut">
               <a:rPr lang="en-US" smtClean="0"/>
-              <a:t>8/11/18</a:t>
+              <a:t>11/16/18</a:t>
             </a:fld>
             <a:endParaRPr lang="en-US"/>
           </a:p>
@@ -2137,7 +2104,7 @@
           <a:p>
             <a:fld id="{DEFBAF91-23A8-144B-A1B7-82C79B923880}" type="datetimeFigureOut">
               <a:rPr lang="en-US" smtClean="0"/>
-              <a:t>8/11/18</a:t>
+              <a:t>11/16/18</a:t>
             </a:fld>
             <a:endParaRPr lang="en-US"/>
           </a:p>
@@ -2335,7 +2302,7 @@
           <a:p>
             <a:fld id="{DEFBAF91-23A8-144B-A1B7-82C79B923880}" type="datetimeFigureOut">
               <a:rPr lang="en-US" smtClean="0"/>
-              <a:t>8/11/18</a:t>
+              <a:t>11/16/18</a:t>
             </a:fld>
             <a:endParaRPr lang="en-US"/>
           </a:p>
@@ -2610,7 +2577,7 @@
           <a:p>
             <a:fld id="{DEFBAF91-23A8-144B-A1B7-82C79B923880}" type="datetimeFigureOut">
               <a:rPr lang="en-US" smtClean="0"/>
-              <a:t>8/11/18</a:t>
+              <a:t>11/16/18</a:t>
             </a:fld>
             <a:endParaRPr lang="en-US"/>
           </a:p>
@@ -2875,7 +2842,7 @@
           <a:p>
             <a:fld id="{DEFBAF91-23A8-144B-A1B7-82C79B923880}" type="datetimeFigureOut">
               <a:rPr lang="en-US" smtClean="0"/>
-              <a:t>8/11/18</a:t>
+              <a:t>11/16/18</a:t>
             </a:fld>
             <a:endParaRPr lang="en-US"/>
           </a:p>
@@ -3287,7 +3254,7 @@
           <a:p>
             <a:fld id="{DEFBAF91-23A8-144B-A1B7-82C79B923880}" type="datetimeFigureOut">
               <a:rPr lang="en-US" smtClean="0"/>
-              <a:t>8/11/18</a:t>
+              <a:t>11/16/18</a:t>
             </a:fld>
             <a:endParaRPr lang="en-US"/>
           </a:p>
@@ -3428,7 +3395,7 @@
           <a:p>
             <a:fld id="{DEFBAF91-23A8-144B-A1B7-82C79B923880}" type="datetimeFigureOut">
               <a:rPr lang="en-US" smtClean="0"/>
-              <a:t>8/11/18</a:t>
+              <a:t>11/16/18</a:t>
             </a:fld>
             <a:endParaRPr lang="en-US"/>
           </a:p>
@@ -3541,7 +3508,7 @@
           <a:p>
             <a:fld id="{DEFBAF91-23A8-144B-A1B7-82C79B923880}" type="datetimeFigureOut">
               <a:rPr lang="en-US" smtClean="0"/>
-              <a:t>8/11/18</a:t>
+              <a:t>11/16/18</a:t>
             </a:fld>
             <a:endParaRPr lang="en-US"/>
           </a:p>
@@ -3852,7 +3819,7 @@
           <a:p>
             <a:fld id="{DEFBAF91-23A8-144B-A1B7-82C79B923880}" type="datetimeFigureOut">
               <a:rPr lang="en-US" smtClean="0"/>
-              <a:t>8/11/18</a:t>
+              <a:t>11/16/18</a:t>
             </a:fld>
             <a:endParaRPr lang="en-US"/>
           </a:p>
@@ -4140,7 +4107,7 @@
           <a:p>
             <a:fld id="{DEFBAF91-23A8-144B-A1B7-82C79B923880}" type="datetimeFigureOut">
               <a:rPr lang="en-US" smtClean="0"/>
-              <a:t>8/11/18</a:t>
+              <a:t>11/16/18</a:t>
             </a:fld>
             <a:endParaRPr lang="en-US"/>
           </a:p>
@@ -4381,7 +4348,7 @@
           <a:p>
             <a:fld id="{DEFBAF91-23A8-144B-A1B7-82C79B923880}" type="datetimeFigureOut">
               <a:rPr lang="en-US" smtClean="0"/>
-              <a:t>8/11/18</a:t>
+              <a:t>11/16/18</a:t>
             </a:fld>
             <a:endParaRPr lang="en-US"/>
           </a:p>
